--- a/ppt 16-9/0598.思慕主爱.pptx
+++ b/ppt 16-9/0598.思慕主爱.pptx
@@ -5,7 +5,7 @@
     <p:sldMasterId id="2147483648" r:id="rId1"/>
   </p:sldMasterIdLst>
   <p:sldIdLst>
-    <p:sldId id="2373" r:id="rId2"/>
+    <p:sldId id="2376" r:id="rId2"/>
   </p:sldIdLst>
   <p:sldSz cx="12192000" cy="6858000"/>
   <p:notesSz cx="6858000" cy="9144000"/>
@@ -129,7 +129,7 @@
           <p:cNvPr id="2" name="标题 1">
             <a:extLst>
               <a:ext uri="{FF2B5EF4-FFF2-40B4-BE49-F238E27FC236}">
-                <a16:creationId xmlns:a16="http://schemas.microsoft.com/office/drawing/2014/main" id="{ECCCF5C9-4C2B-22C3-E6C3-5C7AED337314}"/>
+                <a16:creationId xmlns:a16="http://schemas.microsoft.com/office/drawing/2014/main" id="{59439536-18C2-7F87-4AAC-24BBDA78EBDE}"/>
               </a:ext>
             </a:extLst>
           </p:cNvPr>
@@ -166,7 +166,7 @@
           <p:cNvPr id="3" name="副标题 2">
             <a:extLst>
               <a:ext uri="{FF2B5EF4-FFF2-40B4-BE49-F238E27FC236}">
-                <a16:creationId xmlns:a16="http://schemas.microsoft.com/office/drawing/2014/main" id="{9F7C4F14-3084-7A5D-090D-A9DBDCD9CB2E}"/>
+                <a16:creationId xmlns:a16="http://schemas.microsoft.com/office/drawing/2014/main" id="{CF5963BD-88A8-85AA-C17A-D35921C2E455}"/>
               </a:ext>
             </a:extLst>
           </p:cNvPr>
@@ -236,7 +236,7 @@
           <p:cNvPr id="4" name="日期占位符 3">
             <a:extLst>
               <a:ext uri="{FF2B5EF4-FFF2-40B4-BE49-F238E27FC236}">
-                <a16:creationId xmlns:a16="http://schemas.microsoft.com/office/drawing/2014/main" id="{28557A19-13D9-AE4F-B695-6614221322CD}"/>
+                <a16:creationId xmlns:a16="http://schemas.microsoft.com/office/drawing/2014/main" id="{716A5E52-8DF5-EA0F-A772-47D16C0502AF}"/>
               </a:ext>
             </a:extLst>
           </p:cNvPr>
@@ -252,7 +252,7 @@
           <a:bodyPr/>
           <a:lstStyle/>
           <a:p>
-            <a:fld id="{63E093B7-E24C-4125-AF12-E8B9EDA43F3D}" type="datetimeFigureOut">
+            <a:fld id="{0F2AC7A9-B36C-4DEF-B7DE-42D679D56AFE}" type="datetimeFigureOut">
               <a:rPr lang="zh-CN" altLang="en-US" smtClean="0"/>
               <a:t>2024/3/10</a:t>
             </a:fld>
@@ -265,7 +265,7 @@
           <p:cNvPr id="5" name="页脚占位符 4">
             <a:extLst>
               <a:ext uri="{FF2B5EF4-FFF2-40B4-BE49-F238E27FC236}">
-                <a16:creationId xmlns:a16="http://schemas.microsoft.com/office/drawing/2014/main" id="{F8B3B3B0-2A98-B4F8-B81C-89417DC515B2}"/>
+                <a16:creationId xmlns:a16="http://schemas.microsoft.com/office/drawing/2014/main" id="{970B717F-D820-01AC-5CC8-E083EC73459D}"/>
               </a:ext>
             </a:extLst>
           </p:cNvPr>
@@ -290,7 +290,7 @@
           <p:cNvPr id="6" name="灯片编号占位符 5">
             <a:extLst>
               <a:ext uri="{FF2B5EF4-FFF2-40B4-BE49-F238E27FC236}">
-                <a16:creationId xmlns:a16="http://schemas.microsoft.com/office/drawing/2014/main" id="{34A657D9-8432-FA09-4869-7D1BBE43F077}"/>
+                <a16:creationId xmlns:a16="http://schemas.microsoft.com/office/drawing/2014/main" id="{45EB8C00-3DE7-F547-E959-327888A2F62D}"/>
               </a:ext>
             </a:extLst>
           </p:cNvPr>
@@ -306,7 +306,7 @@
           <a:bodyPr/>
           <a:lstStyle/>
           <a:p>
-            <a:fld id="{432CC387-EFF9-4590-A1EB-6C29BA44D844}" type="slidenum">
+            <a:fld id="{06FB031B-5B94-413F-964C-2A9561481CF3}" type="slidenum">
               <a:rPr lang="zh-CN" altLang="en-US" smtClean="0"/>
               <a:t>‹#›</a:t>
             </a:fld>
@@ -317,7 +317,7 @@
     </p:spTree>
     <p:extLst>
       <p:ext uri="{BB962C8B-B14F-4D97-AF65-F5344CB8AC3E}">
-        <p14:creationId xmlns:p14="http://schemas.microsoft.com/office/powerpoint/2010/main" val="3463811052"/>
+        <p14:creationId xmlns:p14="http://schemas.microsoft.com/office/powerpoint/2010/main" val="195066074"/>
       </p:ext>
     </p:extLst>
   </p:cSld>
@@ -349,7 +349,7 @@
           <p:cNvPr id="2" name="标题 1">
             <a:extLst>
               <a:ext uri="{FF2B5EF4-FFF2-40B4-BE49-F238E27FC236}">
-                <a16:creationId xmlns:a16="http://schemas.microsoft.com/office/drawing/2014/main" id="{49F45152-4481-8514-746B-54D43E95FF07}"/>
+                <a16:creationId xmlns:a16="http://schemas.microsoft.com/office/drawing/2014/main" id="{463B94CA-4FF7-C321-9ED6-C1FACAB61693}"/>
               </a:ext>
             </a:extLst>
           </p:cNvPr>
@@ -377,7 +377,7 @@
           <p:cNvPr id="3" name="竖排文字占位符 2">
             <a:extLst>
               <a:ext uri="{FF2B5EF4-FFF2-40B4-BE49-F238E27FC236}">
-                <a16:creationId xmlns:a16="http://schemas.microsoft.com/office/drawing/2014/main" id="{F5CC33C7-F678-58DC-05D4-0E656BDF683D}"/>
+                <a16:creationId xmlns:a16="http://schemas.microsoft.com/office/drawing/2014/main" id="{AA74172A-FD73-85CF-BFF1-75B81C4045CE}"/>
               </a:ext>
             </a:extLst>
           </p:cNvPr>
@@ -434,7 +434,7 @@
           <p:cNvPr id="4" name="日期占位符 3">
             <a:extLst>
               <a:ext uri="{FF2B5EF4-FFF2-40B4-BE49-F238E27FC236}">
-                <a16:creationId xmlns:a16="http://schemas.microsoft.com/office/drawing/2014/main" id="{8CDAB945-F963-42DA-B9B5-EC7B01E44112}"/>
+                <a16:creationId xmlns:a16="http://schemas.microsoft.com/office/drawing/2014/main" id="{0A7C229A-4364-B365-F3BF-E86BB08821EF}"/>
               </a:ext>
             </a:extLst>
           </p:cNvPr>
@@ -450,7 +450,7 @@
           <a:bodyPr/>
           <a:lstStyle/>
           <a:p>
-            <a:fld id="{63E093B7-E24C-4125-AF12-E8B9EDA43F3D}" type="datetimeFigureOut">
+            <a:fld id="{0F2AC7A9-B36C-4DEF-B7DE-42D679D56AFE}" type="datetimeFigureOut">
               <a:rPr lang="zh-CN" altLang="en-US" smtClean="0"/>
               <a:t>2024/3/10</a:t>
             </a:fld>
@@ -463,7 +463,7 @@
           <p:cNvPr id="5" name="页脚占位符 4">
             <a:extLst>
               <a:ext uri="{FF2B5EF4-FFF2-40B4-BE49-F238E27FC236}">
-                <a16:creationId xmlns:a16="http://schemas.microsoft.com/office/drawing/2014/main" id="{C75EC68F-5360-259E-3783-35BEC5D0733D}"/>
+                <a16:creationId xmlns:a16="http://schemas.microsoft.com/office/drawing/2014/main" id="{36501A70-87DD-04F0-989C-9CAEFFE28145}"/>
               </a:ext>
             </a:extLst>
           </p:cNvPr>
@@ -488,7 +488,7 @@
           <p:cNvPr id="6" name="灯片编号占位符 5">
             <a:extLst>
               <a:ext uri="{FF2B5EF4-FFF2-40B4-BE49-F238E27FC236}">
-                <a16:creationId xmlns:a16="http://schemas.microsoft.com/office/drawing/2014/main" id="{D84CA702-F446-0973-4424-A67EF00208DC}"/>
+                <a16:creationId xmlns:a16="http://schemas.microsoft.com/office/drawing/2014/main" id="{3F0E8523-FE3B-2ED7-71DA-B990A78C63B0}"/>
               </a:ext>
             </a:extLst>
           </p:cNvPr>
@@ -504,7 +504,7 @@
           <a:bodyPr/>
           <a:lstStyle/>
           <a:p>
-            <a:fld id="{432CC387-EFF9-4590-A1EB-6C29BA44D844}" type="slidenum">
+            <a:fld id="{06FB031B-5B94-413F-964C-2A9561481CF3}" type="slidenum">
               <a:rPr lang="zh-CN" altLang="en-US" smtClean="0"/>
               <a:t>‹#›</a:t>
             </a:fld>
@@ -515,7 +515,7 @@
     </p:spTree>
     <p:extLst>
       <p:ext uri="{BB962C8B-B14F-4D97-AF65-F5344CB8AC3E}">
-        <p14:creationId xmlns:p14="http://schemas.microsoft.com/office/powerpoint/2010/main" val="2991931023"/>
+        <p14:creationId xmlns:p14="http://schemas.microsoft.com/office/powerpoint/2010/main" val="1371612049"/>
       </p:ext>
     </p:extLst>
   </p:cSld>
@@ -547,7 +547,7 @@
           <p:cNvPr id="2" name="竖排标题 1">
             <a:extLst>
               <a:ext uri="{FF2B5EF4-FFF2-40B4-BE49-F238E27FC236}">
-                <a16:creationId xmlns:a16="http://schemas.microsoft.com/office/drawing/2014/main" id="{F86A0908-C2AA-A2BF-3E07-1CA1CC1A39B6}"/>
+                <a16:creationId xmlns:a16="http://schemas.microsoft.com/office/drawing/2014/main" id="{2B78F66A-25C3-F80F-3833-D727A727C63B}"/>
               </a:ext>
             </a:extLst>
           </p:cNvPr>
@@ -580,7 +580,7 @@
           <p:cNvPr id="3" name="竖排文字占位符 2">
             <a:extLst>
               <a:ext uri="{FF2B5EF4-FFF2-40B4-BE49-F238E27FC236}">
-                <a16:creationId xmlns:a16="http://schemas.microsoft.com/office/drawing/2014/main" id="{2D60D298-36AE-1E0F-EBC9-DA471F45610C}"/>
+                <a16:creationId xmlns:a16="http://schemas.microsoft.com/office/drawing/2014/main" id="{1942C198-88F0-05C9-7F4A-7E56AFEA6875}"/>
               </a:ext>
             </a:extLst>
           </p:cNvPr>
@@ -642,7 +642,7 @@
           <p:cNvPr id="4" name="日期占位符 3">
             <a:extLst>
               <a:ext uri="{FF2B5EF4-FFF2-40B4-BE49-F238E27FC236}">
-                <a16:creationId xmlns:a16="http://schemas.microsoft.com/office/drawing/2014/main" id="{57BFB1F9-415C-6533-6146-8EE8501294FA}"/>
+                <a16:creationId xmlns:a16="http://schemas.microsoft.com/office/drawing/2014/main" id="{E302B2FA-271D-5A26-CF69-325C2C1A9A9E}"/>
               </a:ext>
             </a:extLst>
           </p:cNvPr>
@@ -658,7 +658,7 @@
           <a:bodyPr/>
           <a:lstStyle/>
           <a:p>
-            <a:fld id="{63E093B7-E24C-4125-AF12-E8B9EDA43F3D}" type="datetimeFigureOut">
+            <a:fld id="{0F2AC7A9-B36C-4DEF-B7DE-42D679D56AFE}" type="datetimeFigureOut">
               <a:rPr lang="zh-CN" altLang="en-US" smtClean="0"/>
               <a:t>2024/3/10</a:t>
             </a:fld>
@@ -671,7 +671,7 @@
           <p:cNvPr id="5" name="页脚占位符 4">
             <a:extLst>
               <a:ext uri="{FF2B5EF4-FFF2-40B4-BE49-F238E27FC236}">
-                <a16:creationId xmlns:a16="http://schemas.microsoft.com/office/drawing/2014/main" id="{477B0869-DAED-6F8D-1580-A4899FF904AC}"/>
+                <a16:creationId xmlns:a16="http://schemas.microsoft.com/office/drawing/2014/main" id="{32ACCB4E-55AF-575C-237D-A608C0B41D36}"/>
               </a:ext>
             </a:extLst>
           </p:cNvPr>
@@ -696,7 +696,7 @@
           <p:cNvPr id="6" name="灯片编号占位符 5">
             <a:extLst>
               <a:ext uri="{FF2B5EF4-FFF2-40B4-BE49-F238E27FC236}">
-                <a16:creationId xmlns:a16="http://schemas.microsoft.com/office/drawing/2014/main" id="{1AF673EF-A85A-AAEC-770C-0354C7EB40B6}"/>
+                <a16:creationId xmlns:a16="http://schemas.microsoft.com/office/drawing/2014/main" id="{B4761272-BAE0-CDFA-133A-626E6549D640}"/>
               </a:ext>
             </a:extLst>
           </p:cNvPr>
@@ -712,7 +712,7 @@
           <a:bodyPr/>
           <a:lstStyle/>
           <a:p>
-            <a:fld id="{432CC387-EFF9-4590-A1EB-6C29BA44D844}" type="slidenum">
+            <a:fld id="{06FB031B-5B94-413F-964C-2A9561481CF3}" type="slidenum">
               <a:rPr lang="zh-CN" altLang="en-US" smtClean="0"/>
               <a:t>‹#›</a:t>
             </a:fld>
@@ -723,7 +723,7 @@
     </p:spTree>
     <p:extLst>
       <p:ext uri="{BB962C8B-B14F-4D97-AF65-F5344CB8AC3E}">
-        <p14:creationId xmlns:p14="http://schemas.microsoft.com/office/powerpoint/2010/main" val="2022548997"/>
+        <p14:creationId xmlns:p14="http://schemas.microsoft.com/office/powerpoint/2010/main" val="3561243027"/>
       </p:ext>
     </p:extLst>
   </p:cSld>
@@ -755,7 +755,7 @@
           <p:cNvPr id="2" name="标题 1">
             <a:extLst>
               <a:ext uri="{FF2B5EF4-FFF2-40B4-BE49-F238E27FC236}">
-                <a16:creationId xmlns:a16="http://schemas.microsoft.com/office/drawing/2014/main" id="{C24DAC47-ECB9-A51A-2481-AA30C33ABB6A}"/>
+                <a16:creationId xmlns:a16="http://schemas.microsoft.com/office/drawing/2014/main" id="{87305308-0539-9351-8240-C3820B272416}"/>
               </a:ext>
             </a:extLst>
           </p:cNvPr>
@@ -783,7 +783,7 @@
           <p:cNvPr id="3" name="内容占位符 2">
             <a:extLst>
               <a:ext uri="{FF2B5EF4-FFF2-40B4-BE49-F238E27FC236}">
-                <a16:creationId xmlns:a16="http://schemas.microsoft.com/office/drawing/2014/main" id="{80B067E3-53B2-D3F8-90AB-57EA57E929AA}"/>
+                <a16:creationId xmlns:a16="http://schemas.microsoft.com/office/drawing/2014/main" id="{5A5F980D-790E-AA31-E853-BF424A3A0F3C}"/>
               </a:ext>
             </a:extLst>
           </p:cNvPr>
@@ -840,7 +840,7 @@
           <p:cNvPr id="4" name="日期占位符 3">
             <a:extLst>
               <a:ext uri="{FF2B5EF4-FFF2-40B4-BE49-F238E27FC236}">
-                <a16:creationId xmlns:a16="http://schemas.microsoft.com/office/drawing/2014/main" id="{A87DF8BC-A716-2185-D634-8A77C332C52D}"/>
+                <a16:creationId xmlns:a16="http://schemas.microsoft.com/office/drawing/2014/main" id="{C6E59B24-6065-8196-5C2D-7BA8356D8D11}"/>
               </a:ext>
             </a:extLst>
           </p:cNvPr>
@@ -856,7 +856,7 @@
           <a:bodyPr/>
           <a:lstStyle/>
           <a:p>
-            <a:fld id="{63E093B7-E24C-4125-AF12-E8B9EDA43F3D}" type="datetimeFigureOut">
+            <a:fld id="{0F2AC7A9-B36C-4DEF-B7DE-42D679D56AFE}" type="datetimeFigureOut">
               <a:rPr lang="zh-CN" altLang="en-US" smtClean="0"/>
               <a:t>2024/3/10</a:t>
             </a:fld>
@@ -869,7 +869,7 @@
           <p:cNvPr id="5" name="页脚占位符 4">
             <a:extLst>
               <a:ext uri="{FF2B5EF4-FFF2-40B4-BE49-F238E27FC236}">
-                <a16:creationId xmlns:a16="http://schemas.microsoft.com/office/drawing/2014/main" id="{875D5E45-108F-E8C6-D322-5BFE315F2CD2}"/>
+                <a16:creationId xmlns:a16="http://schemas.microsoft.com/office/drawing/2014/main" id="{80CD0F96-B92D-7AC0-7839-15B6A889A837}"/>
               </a:ext>
             </a:extLst>
           </p:cNvPr>
@@ -894,7 +894,7 @@
           <p:cNvPr id="6" name="灯片编号占位符 5">
             <a:extLst>
               <a:ext uri="{FF2B5EF4-FFF2-40B4-BE49-F238E27FC236}">
-                <a16:creationId xmlns:a16="http://schemas.microsoft.com/office/drawing/2014/main" id="{B8C556E9-7015-2893-72BC-5A5A87A07C64}"/>
+                <a16:creationId xmlns:a16="http://schemas.microsoft.com/office/drawing/2014/main" id="{9A7A108C-AE2B-93D4-6F01-B6635CF71560}"/>
               </a:ext>
             </a:extLst>
           </p:cNvPr>
@@ -910,7 +910,7 @@
           <a:bodyPr/>
           <a:lstStyle/>
           <a:p>
-            <a:fld id="{432CC387-EFF9-4590-A1EB-6C29BA44D844}" type="slidenum">
+            <a:fld id="{06FB031B-5B94-413F-964C-2A9561481CF3}" type="slidenum">
               <a:rPr lang="zh-CN" altLang="en-US" smtClean="0"/>
               <a:t>‹#›</a:t>
             </a:fld>
@@ -921,7 +921,7 @@
     </p:spTree>
     <p:extLst>
       <p:ext uri="{BB962C8B-B14F-4D97-AF65-F5344CB8AC3E}">
-        <p14:creationId xmlns:p14="http://schemas.microsoft.com/office/powerpoint/2010/main" val="1128116157"/>
+        <p14:creationId xmlns:p14="http://schemas.microsoft.com/office/powerpoint/2010/main" val="445115737"/>
       </p:ext>
     </p:extLst>
   </p:cSld>
@@ -953,7 +953,7 @@
           <p:cNvPr id="2" name="标题 1">
             <a:extLst>
               <a:ext uri="{FF2B5EF4-FFF2-40B4-BE49-F238E27FC236}">
-                <a16:creationId xmlns:a16="http://schemas.microsoft.com/office/drawing/2014/main" id="{7B31F906-53A6-C098-12E9-9164298AD24F}"/>
+                <a16:creationId xmlns:a16="http://schemas.microsoft.com/office/drawing/2014/main" id="{609CE7DD-DA6F-EBF2-5CD1-39F04A336F44}"/>
               </a:ext>
             </a:extLst>
           </p:cNvPr>
@@ -990,7 +990,7 @@
           <p:cNvPr id="3" name="文本占位符 2">
             <a:extLst>
               <a:ext uri="{FF2B5EF4-FFF2-40B4-BE49-F238E27FC236}">
-                <a16:creationId xmlns:a16="http://schemas.microsoft.com/office/drawing/2014/main" id="{5A993EEA-B56E-EA3F-B5C6-4A617A7A5189}"/>
+                <a16:creationId xmlns:a16="http://schemas.microsoft.com/office/drawing/2014/main" id="{9128E07A-0FF2-CC00-9571-557D81D7D966}"/>
               </a:ext>
             </a:extLst>
           </p:cNvPr>
@@ -1115,7 +1115,7 @@
           <p:cNvPr id="4" name="日期占位符 3">
             <a:extLst>
               <a:ext uri="{FF2B5EF4-FFF2-40B4-BE49-F238E27FC236}">
-                <a16:creationId xmlns:a16="http://schemas.microsoft.com/office/drawing/2014/main" id="{41A53449-7EFD-D2D9-993C-B76851B1FD1C}"/>
+                <a16:creationId xmlns:a16="http://schemas.microsoft.com/office/drawing/2014/main" id="{27B7A669-2D8E-919D-B948-E3ED2D4D608C}"/>
               </a:ext>
             </a:extLst>
           </p:cNvPr>
@@ -1131,7 +1131,7 @@
           <a:bodyPr/>
           <a:lstStyle/>
           <a:p>
-            <a:fld id="{63E093B7-E24C-4125-AF12-E8B9EDA43F3D}" type="datetimeFigureOut">
+            <a:fld id="{0F2AC7A9-B36C-4DEF-B7DE-42D679D56AFE}" type="datetimeFigureOut">
               <a:rPr lang="zh-CN" altLang="en-US" smtClean="0"/>
               <a:t>2024/3/10</a:t>
             </a:fld>
@@ -1144,7 +1144,7 @@
           <p:cNvPr id="5" name="页脚占位符 4">
             <a:extLst>
               <a:ext uri="{FF2B5EF4-FFF2-40B4-BE49-F238E27FC236}">
-                <a16:creationId xmlns:a16="http://schemas.microsoft.com/office/drawing/2014/main" id="{A37DCB8C-9929-7A95-3C03-02099C9BBE4D}"/>
+                <a16:creationId xmlns:a16="http://schemas.microsoft.com/office/drawing/2014/main" id="{966751DA-E9B9-334D-725A-41EBC6D8E72F}"/>
               </a:ext>
             </a:extLst>
           </p:cNvPr>
@@ -1169,7 +1169,7 @@
           <p:cNvPr id="6" name="灯片编号占位符 5">
             <a:extLst>
               <a:ext uri="{FF2B5EF4-FFF2-40B4-BE49-F238E27FC236}">
-                <a16:creationId xmlns:a16="http://schemas.microsoft.com/office/drawing/2014/main" id="{8E2EE4FD-7B7F-DF64-F1B4-FCFAFCDFE1D4}"/>
+                <a16:creationId xmlns:a16="http://schemas.microsoft.com/office/drawing/2014/main" id="{7402CABD-9268-BB4C-4170-F1B2DAB3125D}"/>
               </a:ext>
             </a:extLst>
           </p:cNvPr>
@@ -1185,7 +1185,7 @@
           <a:bodyPr/>
           <a:lstStyle/>
           <a:p>
-            <a:fld id="{432CC387-EFF9-4590-A1EB-6C29BA44D844}" type="slidenum">
+            <a:fld id="{06FB031B-5B94-413F-964C-2A9561481CF3}" type="slidenum">
               <a:rPr lang="zh-CN" altLang="en-US" smtClean="0"/>
               <a:t>‹#›</a:t>
             </a:fld>
@@ -1196,7 +1196,7 @@
     </p:spTree>
     <p:extLst>
       <p:ext uri="{BB962C8B-B14F-4D97-AF65-F5344CB8AC3E}">
-        <p14:creationId xmlns:p14="http://schemas.microsoft.com/office/powerpoint/2010/main" val="1291945946"/>
+        <p14:creationId xmlns:p14="http://schemas.microsoft.com/office/powerpoint/2010/main" val="2538093242"/>
       </p:ext>
     </p:extLst>
   </p:cSld>
@@ -1228,7 +1228,7 @@
           <p:cNvPr id="2" name="标题 1">
             <a:extLst>
               <a:ext uri="{FF2B5EF4-FFF2-40B4-BE49-F238E27FC236}">
-                <a16:creationId xmlns:a16="http://schemas.microsoft.com/office/drawing/2014/main" id="{77DFE5CE-F726-4823-9643-76B819B96B90}"/>
+                <a16:creationId xmlns:a16="http://schemas.microsoft.com/office/drawing/2014/main" id="{BE5245F6-CC7C-C9DF-6DEA-D301BEF77E83}"/>
               </a:ext>
             </a:extLst>
           </p:cNvPr>
@@ -1256,7 +1256,7 @@
           <p:cNvPr id="3" name="内容占位符 2">
             <a:extLst>
               <a:ext uri="{FF2B5EF4-FFF2-40B4-BE49-F238E27FC236}">
-                <a16:creationId xmlns:a16="http://schemas.microsoft.com/office/drawing/2014/main" id="{E4D0AB98-1A87-5148-5266-171E1F2E637F}"/>
+                <a16:creationId xmlns:a16="http://schemas.microsoft.com/office/drawing/2014/main" id="{1288B9B4-C8CA-9621-38EF-A816283F8517}"/>
               </a:ext>
             </a:extLst>
           </p:cNvPr>
@@ -1318,7 +1318,7 @@
           <p:cNvPr id="4" name="内容占位符 3">
             <a:extLst>
               <a:ext uri="{FF2B5EF4-FFF2-40B4-BE49-F238E27FC236}">
-                <a16:creationId xmlns:a16="http://schemas.microsoft.com/office/drawing/2014/main" id="{213DBDAC-63FE-4C5D-3DC8-C9E2475412FD}"/>
+                <a16:creationId xmlns:a16="http://schemas.microsoft.com/office/drawing/2014/main" id="{DCCF1B04-875F-100E-E0B7-0E26118B01C0}"/>
               </a:ext>
             </a:extLst>
           </p:cNvPr>
@@ -1380,7 +1380,7 @@
           <p:cNvPr id="5" name="日期占位符 4">
             <a:extLst>
               <a:ext uri="{FF2B5EF4-FFF2-40B4-BE49-F238E27FC236}">
-                <a16:creationId xmlns:a16="http://schemas.microsoft.com/office/drawing/2014/main" id="{E52924E0-5C0B-D48F-7B06-5C4C019D52CE}"/>
+                <a16:creationId xmlns:a16="http://schemas.microsoft.com/office/drawing/2014/main" id="{359318BD-11C1-6B33-6AB2-43D889EDDB09}"/>
               </a:ext>
             </a:extLst>
           </p:cNvPr>
@@ -1396,7 +1396,7 @@
           <a:bodyPr/>
           <a:lstStyle/>
           <a:p>
-            <a:fld id="{63E093B7-E24C-4125-AF12-E8B9EDA43F3D}" type="datetimeFigureOut">
+            <a:fld id="{0F2AC7A9-B36C-4DEF-B7DE-42D679D56AFE}" type="datetimeFigureOut">
               <a:rPr lang="zh-CN" altLang="en-US" smtClean="0"/>
               <a:t>2024/3/10</a:t>
             </a:fld>
@@ -1409,7 +1409,7 @@
           <p:cNvPr id="6" name="页脚占位符 5">
             <a:extLst>
               <a:ext uri="{FF2B5EF4-FFF2-40B4-BE49-F238E27FC236}">
-                <a16:creationId xmlns:a16="http://schemas.microsoft.com/office/drawing/2014/main" id="{FD03B66A-C732-BC08-C3DD-B8F10466C65E}"/>
+                <a16:creationId xmlns:a16="http://schemas.microsoft.com/office/drawing/2014/main" id="{D17A7E76-BF90-56E7-7594-ECF5FE419275}"/>
               </a:ext>
             </a:extLst>
           </p:cNvPr>
@@ -1434,7 +1434,7 @@
           <p:cNvPr id="7" name="灯片编号占位符 6">
             <a:extLst>
               <a:ext uri="{FF2B5EF4-FFF2-40B4-BE49-F238E27FC236}">
-                <a16:creationId xmlns:a16="http://schemas.microsoft.com/office/drawing/2014/main" id="{08E74934-CEDD-CB3E-7442-273410744A3A}"/>
+                <a16:creationId xmlns:a16="http://schemas.microsoft.com/office/drawing/2014/main" id="{9FB65404-5AE6-DB33-C15E-D527191F90DF}"/>
               </a:ext>
             </a:extLst>
           </p:cNvPr>
@@ -1450,7 +1450,7 @@
           <a:bodyPr/>
           <a:lstStyle/>
           <a:p>
-            <a:fld id="{432CC387-EFF9-4590-A1EB-6C29BA44D844}" type="slidenum">
+            <a:fld id="{06FB031B-5B94-413F-964C-2A9561481CF3}" type="slidenum">
               <a:rPr lang="zh-CN" altLang="en-US" smtClean="0"/>
               <a:t>‹#›</a:t>
             </a:fld>
@@ -1461,7 +1461,7 @@
     </p:spTree>
     <p:extLst>
       <p:ext uri="{BB962C8B-B14F-4D97-AF65-F5344CB8AC3E}">
-        <p14:creationId xmlns:p14="http://schemas.microsoft.com/office/powerpoint/2010/main" val="3800232743"/>
+        <p14:creationId xmlns:p14="http://schemas.microsoft.com/office/powerpoint/2010/main" val="2263126992"/>
       </p:ext>
     </p:extLst>
   </p:cSld>
@@ -1493,7 +1493,7 @@
           <p:cNvPr id="2" name="标题 1">
             <a:extLst>
               <a:ext uri="{FF2B5EF4-FFF2-40B4-BE49-F238E27FC236}">
-                <a16:creationId xmlns:a16="http://schemas.microsoft.com/office/drawing/2014/main" id="{BB1E8F4A-54E9-648C-2EFF-CD5CF9712F0F}"/>
+                <a16:creationId xmlns:a16="http://schemas.microsoft.com/office/drawing/2014/main" id="{70AAF07C-935E-3ACD-AB9D-B151C97CD7C6}"/>
               </a:ext>
             </a:extLst>
           </p:cNvPr>
@@ -1526,7 +1526,7 @@
           <p:cNvPr id="3" name="文本占位符 2">
             <a:extLst>
               <a:ext uri="{FF2B5EF4-FFF2-40B4-BE49-F238E27FC236}">
-                <a16:creationId xmlns:a16="http://schemas.microsoft.com/office/drawing/2014/main" id="{60A1B3D6-B954-52A3-DB7F-6B0D3D12F0FE}"/>
+                <a16:creationId xmlns:a16="http://schemas.microsoft.com/office/drawing/2014/main" id="{87C46ECE-4780-6101-577D-3A88D1CE24B6}"/>
               </a:ext>
             </a:extLst>
           </p:cNvPr>
@@ -1597,7 +1597,7 @@
           <p:cNvPr id="4" name="内容占位符 3">
             <a:extLst>
               <a:ext uri="{FF2B5EF4-FFF2-40B4-BE49-F238E27FC236}">
-                <a16:creationId xmlns:a16="http://schemas.microsoft.com/office/drawing/2014/main" id="{9D538027-1AEB-7F29-9A57-E1E24B595BEA}"/>
+                <a16:creationId xmlns:a16="http://schemas.microsoft.com/office/drawing/2014/main" id="{EE166558-C962-E26D-4F4D-51C3C9562B59}"/>
               </a:ext>
             </a:extLst>
           </p:cNvPr>
@@ -1659,7 +1659,7 @@
           <p:cNvPr id="5" name="文本占位符 4">
             <a:extLst>
               <a:ext uri="{FF2B5EF4-FFF2-40B4-BE49-F238E27FC236}">
-                <a16:creationId xmlns:a16="http://schemas.microsoft.com/office/drawing/2014/main" id="{57EE4B19-7B31-6BDF-C829-AD98C60BF4D2}"/>
+                <a16:creationId xmlns:a16="http://schemas.microsoft.com/office/drawing/2014/main" id="{B70FBB27-E283-78CA-DC3A-5442208F3203}"/>
               </a:ext>
             </a:extLst>
           </p:cNvPr>
@@ -1730,7 +1730,7 @@
           <p:cNvPr id="6" name="内容占位符 5">
             <a:extLst>
               <a:ext uri="{FF2B5EF4-FFF2-40B4-BE49-F238E27FC236}">
-                <a16:creationId xmlns:a16="http://schemas.microsoft.com/office/drawing/2014/main" id="{B9F36542-06FC-3EA9-4CD2-9888C658F3B3}"/>
+                <a16:creationId xmlns:a16="http://schemas.microsoft.com/office/drawing/2014/main" id="{8A06A1EC-7A72-34D4-CBBB-FBFDE323D13D}"/>
               </a:ext>
             </a:extLst>
           </p:cNvPr>
@@ -1792,7 +1792,7 @@
           <p:cNvPr id="7" name="日期占位符 6">
             <a:extLst>
               <a:ext uri="{FF2B5EF4-FFF2-40B4-BE49-F238E27FC236}">
-                <a16:creationId xmlns:a16="http://schemas.microsoft.com/office/drawing/2014/main" id="{02E89BFD-6C30-AB0F-7A07-B6E317EE52F8}"/>
+                <a16:creationId xmlns:a16="http://schemas.microsoft.com/office/drawing/2014/main" id="{2F259781-F32F-571A-2823-6AF2264EF998}"/>
               </a:ext>
             </a:extLst>
           </p:cNvPr>
@@ -1808,7 +1808,7 @@
           <a:bodyPr/>
           <a:lstStyle/>
           <a:p>
-            <a:fld id="{63E093B7-E24C-4125-AF12-E8B9EDA43F3D}" type="datetimeFigureOut">
+            <a:fld id="{0F2AC7A9-B36C-4DEF-B7DE-42D679D56AFE}" type="datetimeFigureOut">
               <a:rPr lang="zh-CN" altLang="en-US" smtClean="0"/>
               <a:t>2024/3/10</a:t>
             </a:fld>
@@ -1821,7 +1821,7 @@
           <p:cNvPr id="8" name="页脚占位符 7">
             <a:extLst>
               <a:ext uri="{FF2B5EF4-FFF2-40B4-BE49-F238E27FC236}">
-                <a16:creationId xmlns:a16="http://schemas.microsoft.com/office/drawing/2014/main" id="{2744E1F6-4AB8-A24F-AF88-A45C28000BF9}"/>
+                <a16:creationId xmlns:a16="http://schemas.microsoft.com/office/drawing/2014/main" id="{2067DC12-A03A-659E-FC19-25D261E14F09}"/>
               </a:ext>
             </a:extLst>
           </p:cNvPr>
@@ -1846,7 +1846,7 @@
           <p:cNvPr id="9" name="灯片编号占位符 8">
             <a:extLst>
               <a:ext uri="{FF2B5EF4-FFF2-40B4-BE49-F238E27FC236}">
-                <a16:creationId xmlns:a16="http://schemas.microsoft.com/office/drawing/2014/main" id="{E7B1DA55-A584-EBBF-0637-639E675CF1C4}"/>
+                <a16:creationId xmlns:a16="http://schemas.microsoft.com/office/drawing/2014/main" id="{5FAFA365-E448-DB72-D6B2-47C16D865A3E}"/>
               </a:ext>
             </a:extLst>
           </p:cNvPr>
@@ -1862,7 +1862,7 @@
           <a:bodyPr/>
           <a:lstStyle/>
           <a:p>
-            <a:fld id="{432CC387-EFF9-4590-A1EB-6C29BA44D844}" type="slidenum">
+            <a:fld id="{06FB031B-5B94-413F-964C-2A9561481CF3}" type="slidenum">
               <a:rPr lang="zh-CN" altLang="en-US" smtClean="0"/>
               <a:t>‹#›</a:t>
             </a:fld>
@@ -1873,7 +1873,7 @@
     </p:spTree>
     <p:extLst>
       <p:ext uri="{BB962C8B-B14F-4D97-AF65-F5344CB8AC3E}">
-        <p14:creationId xmlns:p14="http://schemas.microsoft.com/office/powerpoint/2010/main" val="51400803"/>
+        <p14:creationId xmlns:p14="http://schemas.microsoft.com/office/powerpoint/2010/main" val="4192257552"/>
       </p:ext>
     </p:extLst>
   </p:cSld>
@@ -1905,7 +1905,7 @@
           <p:cNvPr id="2" name="标题 1">
             <a:extLst>
               <a:ext uri="{FF2B5EF4-FFF2-40B4-BE49-F238E27FC236}">
-                <a16:creationId xmlns:a16="http://schemas.microsoft.com/office/drawing/2014/main" id="{6C0F3602-7BCF-7BAF-6570-7E16D5E1E40D}"/>
+                <a16:creationId xmlns:a16="http://schemas.microsoft.com/office/drawing/2014/main" id="{3F6BA1BF-8451-1976-A245-2E188E2AB844}"/>
               </a:ext>
             </a:extLst>
           </p:cNvPr>
@@ -1933,7 +1933,7 @@
           <p:cNvPr id="3" name="日期占位符 2">
             <a:extLst>
               <a:ext uri="{FF2B5EF4-FFF2-40B4-BE49-F238E27FC236}">
-                <a16:creationId xmlns:a16="http://schemas.microsoft.com/office/drawing/2014/main" id="{986F8DE0-C4B0-98AA-71FC-49F5D0D01DA3}"/>
+                <a16:creationId xmlns:a16="http://schemas.microsoft.com/office/drawing/2014/main" id="{437797F6-2C23-4754-04C3-8EF2A94FD86F}"/>
               </a:ext>
             </a:extLst>
           </p:cNvPr>
@@ -1949,7 +1949,7 @@
           <a:bodyPr/>
           <a:lstStyle/>
           <a:p>
-            <a:fld id="{63E093B7-E24C-4125-AF12-E8B9EDA43F3D}" type="datetimeFigureOut">
+            <a:fld id="{0F2AC7A9-B36C-4DEF-B7DE-42D679D56AFE}" type="datetimeFigureOut">
               <a:rPr lang="zh-CN" altLang="en-US" smtClean="0"/>
               <a:t>2024/3/10</a:t>
             </a:fld>
@@ -1962,7 +1962,7 @@
           <p:cNvPr id="4" name="页脚占位符 3">
             <a:extLst>
               <a:ext uri="{FF2B5EF4-FFF2-40B4-BE49-F238E27FC236}">
-                <a16:creationId xmlns:a16="http://schemas.microsoft.com/office/drawing/2014/main" id="{67CB44D7-C540-ED59-CDAA-4E6EF304878B}"/>
+                <a16:creationId xmlns:a16="http://schemas.microsoft.com/office/drawing/2014/main" id="{5C6F6CE6-D7A1-AC8B-0E09-E0FDBC972A4F}"/>
               </a:ext>
             </a:extLst>
           </p:cNvPr>
@@ -1987,7 +1987,7 @@
           <p:cNvPr id="5" name="灯片编号占位符 4">
             <a:extLst>
               <a:ext uri="{FF2B5EF4-FFF2-40B4-BE49-F238E27FC236}">
-                <a16:creationId xmlns:a16="http://schemas.microsoft.com/office/drawing/2014/main" id="{50294529-7AF9-E6A0-546F-277A2B435EC0}"/>
+                <a16:creationId xmlns:a16="http://schemas.microsoft.com/office/drawing/2014/main" id="{F6783809-E046-5CFF-A956-06D0E1EF052D}"/>
               </a:ext>
             </a:extLst>
           </p:cNvPr>
@@ -2003,7 +2003,7 @@
           <a:bodyPr/>
           <a:lstStyle/>
           <a:p>
-            <a:fld id="{432CC387-EFF9-4590-A1EB-6C29BA44D844}" type="slidenum">
+            <a:fld id="{06FB031B-5B94-413F-964C-2A9561481CF3}" type="slidenum">
               <a:rPr lang="zh-CN" altLang="en-US" smtClean="0"/>
               <a:t>‹#›</a:t>
             </a:fld>
@@ -2014,7 +2014,7 @@
     </p:spTree>
     <p:extLst>
       <p:ext uri="{BB962C8B-B14F-4D97-AF65-F5344CB8AC3E}">
-        <p14:creationId xmlns:p14="http://schemas.microsoft.com/office/powerpoint/2010/main" val="3006606111"/>
+        <p14:creationId xmlns:p14="http://schemas.microsoft.com/office/powerpoint/2010/main" val="1465496921"/>
       </p:ext>
     </p:extLst>
   </p:cSld>
@@ -2046,7 +2046,7 @@
           <p:cNvPr id="2" name="日期占位符 1">
             <a:extLst>
               <a:ext uri="{FF2B5EF4-FFF2-40B4-BE49-F238E27FC236}">
-                <a16:creationId xmlns:a16="http://schemas.microsoft.com/office/drawing/2014/main" id="{8DEDED37-F340-FFB7-719C-B5508C7147A1}"/>
+                <a16:creationId xmlns:a16="http://schemas.microsoft.com/office/drawing/2014/main" id="{F464D1B9-F970-C077-5915-57C78E177526}"/>
               </a:ext>
             </a:extLst>
           </p:cNvPr>
@@ -2062,7 +2062,7 @@
           <a:bodyPr/>
           <a:lstStyle/>
           <a:p>
-            <a:fld id="{63E093B7-E24C-4125-AF12-E8B9EDA43F3D}" type="datetimeFigureOut">
+            <a:fld id="{0F2AC7A9-B36C-4DEF-B7DE-42D679D56AFE}" type="datetimeFigureOut">
               <a:rPr lang="zh-CN" altLang="en-US" smtClean="0"/>
               <a:t>2024/3/10</a:t>
             </a:fld>
@@ -2075,7 +2075,7 @@
           <p:cNvPr id="3" name="页脚占位符 2">
             <a:extLst>
               <a:ext uri="{FF2B5EF4-FFF2-40B4-BE49-F238E27FC236}">
-                <a16:creationId xmlns:a16="http://schemas.microsoft.com/office/drawing/2014/main" id="{3899754B-431B-FD23-38C6-7BC2D4599124}"/>
+                <a16:creationId xmlns:a16="http://schemas.microsoft.com/office/drawing/2014/main" id="{DCDE99B4-5293-B69E-CCA3-0D990C1F196D}"/>
               </a:ext>
             </a:extLst>
           </p:cNvPr>
@@ -2100,7 +2100,7 @@
           <p:cNvPr id="4" name="灯片编号占位符 3">
             <a:extLst>
               <a:ext uri="{FF2B5EF4-FFF2-40B4-BE49-F238E27FC236}">
-                <a16:creationId xmlns:a16="http://schemas.microsoft.com/office/drawing/2014/main" id="{E4012BF1-7776-D12F-96AB-EFABB698047A}"/>
+                <a16:creationId xmlns:a16="http://schemas.microsoft.com/office/drawing/2014/main" id="{EC1A36CA-A71B-986A-F292-4390AF22CCF9}"/>
               </a:ext>
             </a:extLst>
           </p:cNvPr>
@@ -2116,7 +2116,7 @@
           <a:bodyPr/>
           <a:lstStyle/>
           <a:p>
-            <a:fld id="{432CC387-EFF9-4590-A1EB-6C29BA44D844}" type="slidenum">
+            <a:fld id="{06FB031B-5B94-413F-964C-2A9561481CF3}" type="slidenum">
               <a:rPr lang="zh-CN" altLang="en-US" smtClean="0"/>
               <a:t>‹#›</a:t>
             </a:fld>
@@ -2127,7 +2127,7 @@
     </p:spTree>
     <p:extLst>
       <p:ext uri="{BB962C8B-B14F-4D97-AF65-F5344CB8AC3E}">
-        <p14:creationId xmlns:p14="http://schemas.microsoft.com/office/powerpoint/2010/main" val="643726767"/>
+        <p14:creationId xmlns:p14="http://schemas.microsoft.com/office/powerpoint/2010/main" val="1319861874"/>
       </p:ext>
     </p:extLst>
   </p:cSld>
@@ -2159,7 +2159,7 @@
           <p:cNvPr id="2" name="标题 1">
             <a:extLst>
               <a:ext uri="{FF2B5EF4-FFF2-40B4-BE49-F238E27FC236}">
-                <a16:creationId xmlns:a16="http://schemas.microsoft.com/office/drawing/2014/main" id="{06998ED9-49ED-9BAF-8B0A-360E488F6FB1}"/>
+                <a16:creationId xmlns:a16="http://schemas.microsoft.com/office/drawing/2014/main" id="{5ED4FB47-1958-7159-E3B9-3EF977C94EFA}"/>
               </a:ext>
             </a:extLst>
           </p:cNvPr>
@@ -2196,7 +2196,7 @@
           <p:cNvPr id="3" name="内容占位符 2">
             <a:extLst>
               <a:ext uri="{FF2B5EF4-FFF2-40B4-BE49-F238E27FC236}">
-                <a16:creationId xmlns:a16="http://schemas.microsoft.com/office/drawing/2014/main" id="{F530435F-6F86-41A2-A9E8-A8B6C17A3318}"/>
+                <a16:creationId xmlns:a16="http://schemas.microsoft.com/office/drawing/2014/main" id="{75D534E6-BEF7-64EB-1D35-E14D0CBD5709}"/>
               </a:ext>
             </a:extLst>
           </p:cNvPr>
@@ -2286,7 +2286,7 @@
           <p:cNvPr id="4" name="文本占位符 3">
             <a:extLst>
               <a:ext uri="{FF2B5EF4-FFF2-40B4-BE49-F238E27FC236}">
-                <a16:creationId xmlns:a16="http://schemas.microsoft.com/office/drawing/2014/main" id="{7A48A6F1-941A-4B5F-D0B1-28F3345BC21E}"/>
+                <a16:creationId xmlns:a16="http://schemas.microsoft.com/office/drawing/2014/main" id="{DA85420B-66F4-D353-AD17-13EEB5CA7490}"/>
               </a:ext>
             </a:extLst>
           </p:cNvPr>
@@ -2357,7 +2357,7 @@
           <p:cNvPr id="5" name="日期占位符 4">
             <a:extLst>
               <a:ext uri="{FF2B5EF4-FFF2-40B4-BE49-F238E27FC236}">
-                <a16:creationId xmlns:a16="http://schemas.microsoft.com/office/drawing/2014/main" id="{CFB24C97-FA06-93D0-C448-A0F060500257}"/>
+                <a16:creationId xmlns:a16="http://schemas.microsoft.com/office/drawing/2014/main" id="{99AFCA1E-757F-D801-23F3-1AB0FCF58E3C}"/>
               </a:ext>
             </a:extLst>
           </p:cNvPr>
@@ -2373,7 +2373,7 @@
           <a:bodyPr/>
           <a:lstStyle/>
           <a:p>
-            <a:fld id="{63E093B7-E24C-4125-AF12-E8B9EDA43F3D}" type="datetimeFigureOut">
+            <a:fld id="{0F2AC7A9-B36C-4DEF-B7DE-42D679D56AFE}" type="datetimeFigureOut">
               <a:rPr lang="zh-CN" altLang="en-US" smtClean="0"/>
               <a:t>2024/3/10</a:t>
             </a:fld>
@@ -2386,7 +2386,7 @@
           <p:cNvPr id="6" name="页脚占位符 5">
             <a:extLst>
               <a:ext uri="{FF2B5EF4-FFF2-40B4-BE49-F238E27FC236}">
-                <a16:creationId xmlns:a16="http://schemas.microsoft.com/office/drawing/2014/main" id="{722AE734-DC16-48E7-7741-5AD9F8A52E69}"/>
+                <a16:creationId xmlns:a16="http://schemas.microsoft.com/office/drawing/2014/main" id="{198B08B0-98CB-D0A9-10E5-974329AC81BA}"/>
               </a:ext>
             </a:extLst>
           </p:cNvPr>
@@ -2411,7 +2411,7 @@
           <p:cNvPr id="7" name="灯片编号占位符 6">
             <a:extLst>
               <a:ext uri="{FF2B5EF4-FFF2-40B4-BE49-F238E27FC236}">
-                <a16:creationId xmlns:a16="http://schemas.microsoft.com/office/drawing/2014/main" id="{523B34CB-7C9B-EEE6-6FAD-1D31DFE8A97C}"/>
+                <a16:creationId xmlns:a16="http://schemas.microsoft.com/office/drawing/2014/main" id="{E71F2D22-19D0-8021-8CCC-D4D23FACD746}"/>
               </a:ext>
             </a:extLst>
           </p:cNvPr>
@@ -2427,7 +2427,7 @@
           <a:bodyPr/>
           <a:lstStyle/>
           <a:p>
-            <a:fld id="{432CC387-EFF9-4590-A1EB-6C29BA44D844}" type="slidenum">
+            <a:fld id="{06FB031B-5B94-413F-964C-2A9561481CF3}" type="slidenum">
               <a:rPr lang="zh-CN" altLang="en-US" smtClean="0"/>
               <a:t>‹#›</a:t>
             </a:fld>
@@ -2438,7 +2438,7 @@
     </p:spTree>
     <p:extLst>
       <p:ext uri="{BB962C8B-B14F-4D97-AF65-F5344CB8AC3E}">
-        <p14:creationId xmlns:p14="http://schemas.microsoft.com/office/powerpoint/2010/main" val="986695491"/>
+        <p14:creationId xmlns:p14="http://schemas.microsoft.com/office/powerpoint/2010/main" val="3315017602"/>
       </p:ext>
     </p:extLst>
   </p:cSld>
@@ -2470,7 +2470,7 @@
           <p:cNvPr id="2" name="标题 1">
             <a:extLst>
               <a:ext uri="{FF2B5EF4-FFF2-40B4-BE49-F238E27FC236}">
-                <a16:creationId xmlns:a16="http://schemas.microsoft.com/office/drawing/2014/main" id="{02638404-BB77-C2BD-2F8D-25F032A879BD}"/>
+                <a16:creationId xmlns:a16="http://schemas.microsoft.com/office/drawing/2014/main" id="{C7889427-E375-33E8-F2D0-E8BA68E000D9}"/>
               </a:ext>
             </a:extLst>
           </p:cNvPr>
@@ -2507,7 +2507,7 @@
           <p:cNvPr id="3" name="图片占位符 2">
             <a:extLst>
               <a:ext uri="{FF2B5EF4-FFF2-40B4-BE49-F238E27FC236}">
-                <a16:creationId xmlns:a16="http://schemas.microsoft.com/office/drawing/2014/main" id="{4ACAE528-507D-536A-E9F4-B5ACAFF98156}"/>
+                <a16:creationId xmlns:a16="http://schemas.microsoft.com/office/drawing/2014/main" id="{47B5CA08-3695-112C-BE55-E22148BDD69F}"/>
               </a:ext>
             </a:extLst>
           </p:cNvPr>
@@ -2574,7 +2574,7 @@
           <p:cNvPr id="4" name="文本占位符 3">
             <a:extLst>
               <a:ext uri="{FF2B5EF4-FFF2-40B4-BE49-F238E27FC236}">
-                <a16:creationId xmlns:a16="http://schemas.microsoft.com/office/drawing/2014/main" id="{9EA0E548-0389-0709-C2DD-5456F14A896F}"/>
+                <a16:creationId xmlns:a16="http://schemas.microsoft.com/office/drawing/2014/main" id="{EDD561D7-EDC4-FCBB-0C32-F0F67D10366B}"/>
               </a:ext>
             </a:extLst>
           </p:cNvPr>
@@ -2645,7 +2645,7 @@
           <p:cNvPr id="5" name="日期占位符 4">
             <a:extLst>
               <a:ext uri="{FF2B5EF4-FFF2-40B4-BE49-F238E27FC236}">
-                <a16:creationId xmlns:a16="http://schemas.microsoft.com/office/drawing/2014/main" id="{C27F3317-CD29-464B-B4F2-73661A190FC9}"/>
+                <a16:creationId xmlns:a16="http://schemas.microsoft.com/office/drawing/2014/main" id="{41484DC2-C6A7-251E-E090-8717F5D4560C}"/>
               </a:ext>
             </a:extLst>
           </p:cNvPr>
@@ -2661,7 +2661,7 @@
           <a:bodyPr/>
           <a:lstStyle/>
           <a:p>
-            <a:fld id="{63E093B7-E24C-4125-AF12-E8B9EDA43F3D}" type="datetimeFigureOut">
+            <a:fld id="{0F2AC7A9-B36C-4DEF-B7DE-42D679D56AFE}" type="datetimeFigureOut">
               <a:rPr lang="zh-CN" altLang="en-US" smtClean="0"/>
               <a:t>2024/3/10</a:t>
             </a:fld>
@@ -2674,7 +2674,7 @@
           <p:cNvPr id="6" name="页脚占位符 5">
             <a:extLst>
               <a:ext uri="{FF2B5EF4-FFF2-40B4-BE49-F238E27FC236}">
-                <a16:creationId xmlns:a16="http://schemas.microsoft.com/office/drawing/2014/main" id="{2EF8680E-7D46-3CF1-82E8-A8615CB21FB0}"/>
+                <a16:creationId xmlns:a16="http://schemas.microsoft.com/office/drawing/2014/main" id="{1DC78469-1528-8EDE-0B8E-5499936BC24A}"/>
               </a:ext>
             </a:extLst>
           </p:cNvPr>
@@ -2699,7 +2699,7 @@
           <p:cNvPr id="7" name="灯片编号占位符 6">
             <a:extLst>
               <a:ext uri="{FF2B5EF4-FFF2-40B4-BE49-F238E27FC236}">
-                <a16:creationId xmlns:a16="http://schemas.microsoft.com/office/drawing/2014/main" id="{D2AA9ECA-1E66-5BE5-5A8A-D80B7AB058D7}"/>
+                <a16:creationId xmlns:a16="http://schemas.microsoft.com/office/drawing/2014/main" id="{AE333468-8EC7-B660-89AE-1D442E8F1F4D}"/>
               </a:ext>
             </a:extLst>
           </p:cNvPr>
@@ -2715,7 +2715,7 @@
           <a:bodyPr/>
           <a:lstStyle/>
           <a:p>
-            <a:fld id="{432CC387-EFF9-4590-A1EB-6C29BA44D844}" type="slidenum">
+            <a:fld id="{06FB031B-5B94-413F-964C-2A9561481CF3}" type="slidenum">
               <a:rPr lang="zh-CN" altLang="en-US" smtClean="0"/>
               <a:t>‹#›</a:t>
             </a:fld>
@@ -2726,7 +2726,7 @@
     </p:spTree>
     <p:extLst>
       <p:ext uri="{BB962C8B-B14F-4D97-AF65-F5344CB8AC3E}">
-        <p14:creationId xmlns:p14="http://schemas.microsoft.com/office/powerpoint/2010/main" val="123502607"/>
+        <p14:creationId xmlns:p14="http://schemas.microsoft.com/office/powerpoint/2010/main" val="333658607"/>
       </p:ext>
     </p:extLst>
   </p:cSld>
@@ -2763,7 +2763,7 @@
           <p:cNvPr id="2" name="标题占位符 1">
             <a:extLst>
               <a:ext uri="{FF2B5EF4-FFF2-40B4-BE49-F238E27FC236}">
-                <a16:creationId xmlns:a16="http://schemas.microsoft.com/office/drawing/2014/main" id="{D36DD97F-3E97-2FFE-2226-09631E1EF533}"/>
+                <a16:creationId xmlns:a16="http://schemas.microsoft.com/office/drawing/2014/main" id="{C3EE68C3-1729-AF02-1D08-26672219C474}"/>
               </a:ext>
             </a:extLst>
           </p:cNvPr>
@@ -2801,7 +2801,7 @@
           <p:cNvPr id="3" name="文本占位符 2">
             <a:extLst>
               <a:ext uri="{FF2B5EF4-FFF2-40B4-BE49-F238E27FC236}">
-                <a16:creationId xmlns:a16="http://schemas.microsoft.com/office/drawing/2014/main" id="{ADB88D9D-515F-4A26-6A10-4E8EC3475E70}"/>
+                <a16:creationId xmlns:a16="http://schemas.microsoft.com/office/drawing/2014/main" id="{301181C4-090A-79AB-88E2-70F698B6A1A7}"/>
               </a:ext>
             </a:extLst>
           </p:cNvPr>
@@ -2868,7 +2868,7 @@
           <p:cNvPr id="4" name="日期占位符 3">
             <a:extLst>
               <a:ext uri="{FF2B5EF4-FFF2-40B4-BE49-F238E27FC236}">
-                <a16:creationId xmlns:a16="http://schemas.microsoft.com/office/drawing/2014/main" id="{09D56CE7-E01E-6DEB-0A12-FC78CE4EF699}"/>
+                <a16:creationId xmlns:a16="http://schemas.microsoft.com/office/drawing/2014/main" id="{83F4A9FD-19EC-E9FC-62C9-9F2EADA724CA}"/>
               </a:ext>
             </a:extLst>
           </p:cNvPr>
@@ -2902,7 +2902,7 @@
             </a:lvl1pPr>
           </a:lstStyle>
           <a:p>
-            <a:fld id="{63E093B7-E24C-4125-AF12-E8B9EDA43F3D}" type="datetimeFigureOut">
+            <a:fld id="{0F2AC7A9-B36C-4DEF-B7DE-42D679D56AFE}" type="datetimeFigureOut">
               <a:rPr lang="zh-CN" altLang="en-US" smtClean="0"/>
               <a:t>2024/3/10</a:t>
             </a:fld>
@@ -2915,7 +2915,7 @@
           <p:cNvPr id="5" name="页脚占位符 4">
             <a:extLst>
               <a:ext uri="{FF2B5EF4-FFF2-40B4-BE49-F238E27FC236}">
-                <a16:creationId xmlns:a16="http://schemas.microsoft.com/office/drawing/2014/main" id="{45C3F58B-57ED-5BD4-2CB3-289934CBEED6}"/>
+                <a16:creationId xmlns:a16="http://schemas.microsoft.com/office/drawing/2014/main" id="{42AD7175-FD5F-642E-E647-68005DC7347E}"/>
               </a:ext>
             </a:extLst>
           </p:cNvPr>
@@ -2958,7 +2958,7 @@
           <p:cNvPr id="6" name="灯片编号占位符 5">
             <a:extLst>
               <a:ext uri="{FF2B5EF4-FFF2-40B4-BE49-F238E27FC236}">
-                <a16:creationId xmlns:a16="http://schemas.microsoft.com/office/drawing/2014/main" id="{6C0AA6E4-EABA-1B35-A1B7-5A97FE30E9BC}"/>
+                <a16:creationId xmlns:a16="http://schemas.microsoft.com/office/drawing/2014/main" id="{35BA0614-7B0C-A3E4-ADC4-32B50A73BC5E}"/>
               </a:ext>
             </a:extLst>
           </p:cNvPr>
@@ -2992,7 +2992,7 @@
             </a:lvl1pPr>
           </a:lstStyle>
           <a:p>
-            <a:fld id="{432CC387-EFF9-4590-A1EB-6C29BA44D844}" type="slidenum">
+            <a:fld id="{06FB031B-5B94-413F-964C-2A9561481CF3}" type="slidenum">
               <a:rPr lang="zh-CN" altLang="en-US" smtClean="0"/>
               <a:t>‹#›</a:t>
             </a:fld>
@@ -3003,7 +3003,7 @@
     </p:spTree>
     <p:extLst>
       <p:ext uri="{BB962C8B-B14F-4D97-AF65-F5344CB8AC3E}">
-        <p14:creationId xmlns:p14="http://schemas.microsoft.com/office/powerpoint/2010/main" val="3023297405"/>
+        <p14:creationId xmlns:p14="http://schemas.microsoft.com/office/powerpoint/2010/main" val="195487647"/>
       </p:ext>
     </p:extLst>
   </p:cSld>
@@ -3323,7 +3323,7 @@
       </p:grpSpPr>
       <p:pic>
         <p:nvPicPr>
-          <p:cNvPr id="612354" name="Picture 2" descr="597"/>
+          <p:cNvPr id="613378" name="Picture 2" descr="598"/>
           <p:cNvPicPr>
             <a:picLocks noChangeAspect="1" noChangeArrowheads="1"/>
           </p:cNvPicPr>
@@ -3377,7 +3377,7 @@
       </p:pic>
       <p:pic>
         <p:nvPicPr>
-          <p:cNvPr id="613379" name="Picture 3" descr="597-2"/>
+          <p:cNvPr id="614403" name="Picture 3" descr="598-2"/>
           <p:cNvPicPr>
             <a:picLocks noChangeAspect="1" noChangeArrowheads="1"/>
           </p:cNvPicPr>
@@ -3398,8 +3398,72 @@
         </p:blipFill>
         <p:spPr bwMode="auto">
           <a:xfrm>
-            <a:off x="1524000" y="-12700"/>
-            <a:ext cx="9144000" cy="6843713"/>
+            <a:off x="1524000" y="0"/>
+            <a:ext cx="9144000" cy="6858000"/>
+          </a:xfrm>
+          <a:prstGeom prst="rect">
+            <a:avLst/>
+          </a:prstGeom>
+          <a:noFill/>
+          <a:ln>
+            <a:noFill/>
+          </a:ln>
+          <a:effectLst/>
+          <a:extLst>
+            <a:ext uri="{909E8E84-426E-40DD-AFC4-6F175D3DCCD1}">
+              <a14:hiddenFill xmlns:a14="http://schemas.microsoft.com/office/drawing/2010/main">
+                <a:solidFill>
+                  <a:srgbClr val="FFFFFF"/>
+                </a:solidFill>
+              </a14:hiddenFill>
+            </a:ext>
+            <a:ext uri="{91240B29-F687-4F45-9708-019B960494DF}">
+              <a14:hiddenLine xmlns:a14="http://schemas.microsoft.com/office/drawing/2010/main" w="9525">
+                <a:solidFill>
+                  <a:srgbClr val="000000"/>
+                </a:solidFill>
+                <a:miter lim="800000"/>
+                <a:headEnd/>
+                <a:tailEnd/>
+              </a14:hiddenLine>
+            </a:ext>
+            <a:ext uri="{AF507438-7753-43E0-B8FC-AC1667EBCBE1}">
+              <a14:hiddenEffects xmlns:a14="http://schemas.microsoft.com/office/drawing/2010/main">
+                <a:effectLst>
+                  <a:outerShdw dist="35921" dir="2700000" algn="ctr" rotWithShape="0">
+                    <a:srgbClr val="808080"/>
+                  </a:outerShdw>
+                </a:effectLst>
+              </a14:hiddenEffects>
+            </a:ext>
+          </a:extLst>
+        </p:spPr>
+      </p:pic>
+      <p:pic>
+        <p:nvPicPr>
+          <p:cNvPr id="614404" name="Picture 4" descr="598-3"/>
+          <p:cNvPicPr>
+            <a:picLocks noChangeAspect="1" noChangeArrowheads="1"/>
+          </p:cNvPicPr>
+          <p:nvPr/>
+        </p:nvPicPr>
+        <p:blipFill>
+          <a:blip r:embed="rId4">
+            <a:extLst>
+              <a:ext uri="{28A0092B-C50C-407E-A947-70E740481C1C}">
+                <a14:useLocalDpi xmlns:a14="http://schemas.microsoft.com/office/drawing/2010/main" val="0"/>
+              </a:ext>
+            </a:extLst>
+          </a:blip>
+          <a:srcRect/>
+          <a:stretch>
+            <a:fillRect/>
+          </a:stretch>
+        </p:blipFill>
+        <p:spPr bwMode="auto">
+          <a:xfrm>
+            <a:off x="1524000" y="0"/>
+            <a:ext cx="9144000" cy="6858000"/>
           </a:xfrm>
           <a:prstGeom prst="rect">
             <a:avLst/>
@@ -3478,7 +3542,7 @@
                                           </p:stCondLst>
                                         </p:cTn>
                                         <p:tgtEl>
-                                          <p:spTgt spid="613379"/>
+                                          <p:spTgt spid="614403"/>
                                         </p:tgtEl>
                                         <p:attrNameLst>
                                           <p:attrName>style.visibility</p:attrName>
@@ -3492,7 +3556,60 @@
                                       <p:cBhvr>
                                         <p:cTn id="7" dur="500"/>
                                         <p:tgtEl>
-                                          <p:spTgt spid="613379"/>
+                                          <p:spTgt spid="614403"/>
+                                        </p:tgtEl>
+                                      </p:cBhvr>
+                                    </p:animEffect>
+                                  </p:childTnLst>
+                                </p:cTn>
+                              </p:par>
+                            </p:childTnLst>
+                          </p:cTn>
+                        </p:par>
+                      </p:childTnLst>
+                    </p:cTn>
+                  </p:par>
+                  <p:par>
+                    <p:cTn id="8" fill="hold" nodeType="clickPar">
+                      <p:stCondLst>
+                        <p:cond delay="indefinite"/>
+                      </p:stCondLst>
+                      <p:childTnLst>
+                        <p:par>
+                          <p:cTn id="9" fill="hold" nodeType="withGroup">
+                            <p:stCondLst>
+                              <p:cond delay="0"/>
+                            </p:stCondLst>
+                            <p:childTnLst>
+                              <p:par>
+                                <p:cTn id="10" presetID="10" presetClass="entr" presetSubtype="0" fill="hold" nodeType="clickEffect">
+                                  <p:stCondLst>
+                                    <p:cond delay="0"/>
+                                  </p:stCondLst>
+                                  <p:childTnLst>
+                                    <p:set>
+                                      <p:cBhvr>
+                                        <p:cTn id="11" dur="1" fill="hold">
+                                          <p:stCondLst>
+                                            <p:cond delay="0"/>
+                                          </p:stCondLst>
+                                        </p:cTn>
+                                        <p:tgtEl>
+                                          <p:spTgt spid="614404"/>
+                                        </p:tgtEl>
+                                        <p:attrNameLst>
+                                          <p:attrName>style.visibility</p:attrName>
+                                        </p:attrNameLst>
+                                      </p:cBhvr>
+                                      <p:to>
+                                        <p:strVal val="visible"/>
+                                      </p:to>
+                                    </p:set>
+                                    <p:animEffect transition="in" filter="fade">
+                                      <p:cBhvr>
+                                        <p:cTn id="12" dur="500"/>
+                                        <p:tgtEl>
+                                          <p:spTgt spid="614404"/>
                                         </p:tgtEl>
                                       </p:cBhvr>
                                     </p:animEffect>
